--- a/Cennet Down to ashes.pptx
+++ b/Cennet Down to ashes.pptx
@@ -107,6 +107,11 @@
       </a:defRPr>
     </a:lvl9pPr>
   </p:defaultTextStyle>
+  <p:extLst>
+    <p:ext uri="{EFAFB233-063F-42B5-8137-9DF3F51BA10A}">
+      <p15:sldGuideLst xmlns:p15="http://schemas.microsoft.com/office/powerpoint/2012/main"/>
+    </p:ext>
+  </p:extLst>
 </p:presentation>
 </file>
 
@@ -6023,7 +6028,7 @@
             </a:r>
             <a:r>
               <a:rPr lang="en-GB" dirty="0"/>
-              <a:t>: Down to ashes</a:t>
+              <a:t>: Down to Ashes</a:t>
             </a:r>
           </a:p>
         </p:txBody>

--- a/Cennet Down to ashes.pptx
+++ b/Cennet Down to ashes.pptx
@@ -584,7 +584,7 @@
           <a:p>
             <a:fld id="{BE106147-D9ED-4058-8F57-8D2F591DF8D5}" type="datetimeFigureOut">
               <a:rPr lang="en-GB" smtClean="0"/>
-              <a:t>09/10/2021</a:t>
+              <a:t>10/10/2021</a:t>
             </a:fld>
             <a:endParaRPr lang="en-GB"/>
           </a:p>
@@ -908,7 +908,7 @@
           <a:p>
             <a:fld id="{BE106147-D9ED-4058-8F57-8D2F591DF8D5}" type="datetimeFigureOut">
               <a:rPr lang="en-GB" smtClean="0"/>
-              <a:t>09/10/2021</a:t>
+              <a:t>10/10/2021</a:t>
             </a:fld>
             <a:endParaRPr lang="en-GB"/>
           </a:p>
@@ -1156,7 +1156,7 @@
           <a:p>
             <a:fld id="{BE106147-D9ED-4058-8F57-8D2F591DF8D5}" type="datetimeFigureOut">
               <a:rPr lang="en-GB" smtClean="0"/>
-              <a:t>09/10/2021</a:t>
+              <a:t>10/10/2021</a:t>
             </a:fld>
             <a:endParaRPr lang="en-GB"/>
           </a:p>
@@ -1495,7 +1495,7 @@
           <a:p>
             <a:fld id="{BE106147-D9ED-4058-8F57-8D2F591DF8D5}" type="datetimeFigureOut">
               <a:rPr lang="en-GB" smtClean="0"/>
-              <a:t>09/10/2021</a:t>
+              <a:t>10/10/2021</a:t>
             </a:fld>
             <a:endParaRPr lang="en-GB"/>
           </a:p>
@@ -1842,7 +1842,7 @@
           <a:p>
             <a:fld id="{BE106147-D9ED-4058-8F57-8D2F591DF8D5}" type="datetimeFigureOut">
               <a:rPr lang="en-GB" smtClean="0"/>
-              <a:t>09/10/2021</a:t>
+              <a:t>10/10/2021</a:t>
             </a:fld>
             <a:endParaRPr lang="en-GB"/>
           </a:p>
@@ -2216,7 +2216,7 @@
           <a:p>
             <a:fld id="{BE106147-D9ED-4058-8F57-8D2F591DF8D5}" type="datetimeFigureOut">
               <a:rPr lang="en-GB" smtClean="0"/>
-              <a:t>09/10/2021</a:t>
+              <a:t>10/10/2021</a:t>
             </a:fld>
             <a:endParaRPr lang="en-GB"/>
           </a:p>
@@ -2686,7 +2686,7 @@
           <a:p>
             <a:fld id="{BE106147-D9ED-4058-8F57-8D2F591DF8D5}" type="datetimeFigureOut">
               <a:rPr lang="en-GB" smtClean="0"/>
-              <a:t>09/10/2021</a:t>
+              <a:t>10/10/2021</a:t>
             </a:fld>
             <a:endParaRPr lang="en-GB"/>
           </a:p>
@@ -2891,7 +2891,7 @@
           <a:p>
             <a:fld id="{BE106147-D9ED-4058-8F57-8D2F591DF8D5}" type="datetimeFigureOut">
               <a:rPr lang="en-GB" smtClean="0"/>
-              <a:t>09/10/2021</a:t>
+              <a:t>10/10/2021</a:t>
             </a:fld>
             <a:endParaRPr lang="en-GB"/>
           </a:p>
@@ -3102,7 +3102,7 @@
           <a:p>
             <a:fld id="{BE106147-D9ED-4058-8F57-8D2F591DF8D5}" type="datetimeFigureOut">
               <a:rPr lang="en-GB" smtClean="0"/>
-              <a:t>09/10/2021</a:t>
+              <a:t>10/10/2021</a:t>
             </a:fld>
             <a:endParaRPr lang="en-GB"/>
           </a:p>
@@ -3334,7 +3334,7 @@
           <a:p>
             <a:fld id="{BE106147-D9ED-4058-8F57-8D2F591DF8D5}" type="datetimeFigureOut">
               <a:rPr lang="en-GB" smtClean="0"/>
-              <a:t>09/10/2021</a:t>
+              <a:t>10/10/2021</a:t>
             </a:fld>
             <a:endParaRPr lang="en-GB"/>
           </a:p>
@@ -3582,7 +3582,7 @@
           <a:p>
             <a:fld id="{BE106147-D9ED-4058-8F57-8D2F591DF8D5}" type="datetimeFigureOut">
               <a:rPr lang="en-GB" smtClean="0"/>
-              <a:t>09/10/2021</a:t>
+              <a:t>10/10/2021</a:t>
             </a:fld>
             <a:endParaRPr lang="en-GB"/>
           </a:p>
@@ -3849,7 +3849,7 @@
           <a:p>
             <a:fld id="{BE106147-D9ED-4058-8F57-8D2F591DF8D5}" type="datetimeFigureOut">
               <a:rPr lang="en-GB" smtClean="0"/>
-              <a:t>09/10/2021</a:t>
+              <a:t>10/10/2021</a:t>
             </a:fld>
             <a:endParaRPr lang="en-GB"/>
           </a:p>
@@ -4262,7 +4262,7 @@
           <a:p>
             <a:fld id="{BE106147-D9ED-4058-8F57-8D2F591DF8D5}" type="datetimeFigureOut">
               <a:rPr lang="en-GB" smtClean="0"/>
-              <a:t>09/10/2021</a:t>
+              <a:t>10/10/2021</a:t>
             </a:fld>
             <a:endParaRPr lang="en-GB"/>
           </a:p>
@@ -4411,7 +4411,7 @@
           <a:p>
             <a:fld id="{BE106147-D9ED-4058-8F57-8D2F591DF8D5}" type="datetimeFigureOut">
               <a:rPr lang="en-GB" smtClean="0"/>
-              <a:t>09/10/2021</a:t>
+              <a:t>10/10/2021</a:t>
             </a:fld>
             <a:endParaRPr lang="en-GB"/>
           </a:p>
@@ -4537,7 +4537,7 @@
           <a:p>
             <a:fld id="{BE106147-D9ED-4058-8F57-8D2F591DF8D5}" type="datetimeFigureOut">
               <a:rPr lang="en-GB" smtClean="0"/>
-              <a:t>09/10/2021</a:t>
+              <a:t>10/10/2021</a:t>
             </a:fld>
             <a:endParaRPr lang="en-GB"/>
           </a:p>
@@ -4792,7 +4792,7 @@
           <a:p>
             <a:fld id="{BE106147-D9ED-4058-8F57-8D2F591DF8D5}" type="datetimeFigureOut">
               <a:rPr lang="en-GB" smtClean="0"/>
-              <a:t>09/10/2021</a:t>
+              <a:t>10/10/2021</a:t>
             </a:fld>
             <a:endParaRPr lang="en-GB"/>
           </a:p>
@@ -5107,7 +5107,7 @@
           <a:p>
             <a:fld id="{BE106147-D9ED-4058-8F57-8D2F591DF8D5}" type="datetimeFigureOut">
               <a:rPr lang="en-GB" smtClean="0"/>
-              <a:t>09/10/2021</a:t>
+              <a:t>10/10/2021</a:t>
             </a:fld>
             <a:endParaRPr lang="en-GB"/>
           </a:p>
@@ -5458,7 +5458,7 @@
           <a:p>
             <a:fld id="{BE106147-D9ED-4058-8F57-8D2F591DF8D5}" type="datetimeFigureOut">
               <a:rPr lang="en-GB" smtClean="0"/>
-              <a:t>09/10/2021</a:t>
+              <a:t>10/10/2021</a:t>
             </a:fld>
             <a:endParaRPr lang="en-GB"/>
           </a:p>
@@ -6619,6 +6619,258 @@
           </a:p>
         </p:txBody>
       </p:sp>
+      <p:pic>
+        <p:nvPicPr>
+          <p:cNvPr id="5" name="Picture 4">
+            <a:extLst>
+              <a:ext uri="{FF2B5EF4-FFF2-40B4-BE49-F238E27FC236}">
+                <a16:creationId xmlns:a16="http://schemas.microsoft.com/office/drawing/2014/main" id="{064BB1BA-9E05-42D7-833C-7946590E4E84}"/>
+              </a:ext>
+            </a:extLst>
+          </p:cNvPr>
+          <p:cNvPicPr>
+            <a:picLocks noChangeAspect="1"/>
+          </p:cNvPicPr>
+          <p:nvPr/>
+        </p:nvPicPr>
+        <p:blipFill>
+          <a:blip r:embed="rId2"/>
+          <a:stretch>
+            <a:fillRect/>
+          </a:stretch>
+        </p:blipFill>
+        <p:spPr>
+          <a:xfrm>
+            <a:off x="742202" y="2378899"/>
+            <a:ext cx="10707594" cy="3353268"/>
+          </a:xfrm>
+          <a:prstGeom prst="rect">
+            <a:avLst/>
+          </a:prstGeom>
+        </p:spPr>
+      </p:pic>
+      <p:cxnSp>
+        <p:nvCxnSpPr>
+          <p:cNvPr id="7" name="Straight Arrow Connector 6">
+            <a:extLst>
+              <a:ext uri="{FF2B5EF4-FFF2-40B4-BE49-F238E27FC236}">
+                <a16:creationId xmlns:a16="http://schemas.microsoft.com/office/drawing/2014/main" id="{BE2F2E7A-30FE-46E0-B803-45C01A19F7BF}"/>
+              </a:ext>
+            </a:extLst>
+          </p:cNvPr>
+          <p:cNvCxnSpPr/>
+          <p:nvPr/>
+        </p:nvCxnSpPr>
+        <p:spPr>
+          <a:xfrm flipH="1">
+            <a:off x="877455" y="4055533"/>
+            <a:ext cx="193963" cy="996758"/>
+          </a:xfrm>
+          <a:prstGeom prst="straightConnector1">
+            <a:avLst/>
+          </a:prstGeom>
+          <a:ln>
+            <a:tailEnd type="triangle"/>
+          </a:ln>
+        </p:spPr>
+        <p:style>
+          <a:lnRef idx="1">
+            <a:schemeClr val="dk1"/>
+          </a:lnRef>
+          <a:fillRef idx="0">
+            <a:schemeClr val="dk1"/>
+          </a:fillRef>
+          <a:effectRef idx="0">
+            <a:schemeClr val="dk1"/>
+          </a:effectRef>
+          <a:fontRef idx="minor">
+            <a:schemeClr val="tx1"/>
+          </a:fontRef>
+        </p:style>
+      </p:cxnSp>
+      <p:sp>
+        <p:nvSpPr>
+          <p:cNvPr id="8" name="TextBox 7">
+            <a:extLst>
+              <a:ext uri="{FF2B5EF4-FFF2-40B4-BE49-F238E27FC236}">
+                <a16:creationId xmlns:a16="http://schemas.microsoft.com/office/drawing/2014/main" id="{E3D09ADB-BBF0-4E05-9D3C-AC825A50E7E2}"/>
+              </a:ext>
+            </a:extLst>
+          </p:cNvPr>
+          <p:cNvSpPr txBox="1"/>
+          <p:nvPr/>
+        </p:nvSpPr>
+        <p:spPr>
+          <a:xfrm>
+            <a:off x="855133" y="3627966"/>
+            <a:ext cx="1608667" cy="369332"/>
+          </a:xfrm>
+          <a:prstGeom prst="rect">
+            <a:avLst/>
+          </a:prstGeom>
+          <a:noFill/>
+        </p:spPr>
+        <p:txBody>
+          <a:bodyPr wrap="square" rtlCol="0">
+            <a:spAutoFit/>
+          </a:bodyPr>
+          <a:lstStyle/>
+          <a:p>
+            <a:r>
+              <a:rPr lang="en-GB" dirty="0"/>
+              <a:t>Start</a:t>
+            </a:r>
+          </a:p>
+        </p:txBody>
+      </p:sp>
+      <p:cxnSp>
+        <p:nvCxnSpPr>
+          <p:cNvPr id="10" name="Straight Arrow Connector 9">
+            <a:extLst>
+              <a:ext uri="{FF2B5EF4-FFF2-40B4-BE49-F238E27FC236}">
+                <a16:creationId xmlns:a16="http://schemas.microsoft.com/office/drawing/2014/main" id="{A2B20A7C-9112-4ADF-B48D-3079C3A5E1C7}"/>
+              </a:ext>
+            </a:extLst>
+          </p:cNvPr>
+          <p:cNvCxnSpPr/>
+          <p:nvPr/>
+        </p:nvCxnSpPr>
+        <p:spPr>
+          <a:xfrm>
+            <a:off x="10368863" y="2802467"/>
+            <a:ext cx="959537" cy="423333"/>
+          </a:xfrm>
+          <a:prstGeom prst="straightConnector1">
+            <a:avLst/>
+          </a:prstGeom>
+          <a:ln>
+            <a:tailEnd type="triangle"/>
+          </a:ln>
+        </p:spPr>
+        <p:style>
+          <a:lnRef idx="1">
+            <a:schemeClr val="dk1"/>
+          </a:lnRef>
+          <a:fillRef idx="0">
+            <a:schemeClr val="dk1"/>
+          </a:fillRef>
+          <a:effectRef idx="0">
+            <a:schemeClr val="dk1"/>
+          </a:effectRef>
+          <a:fontRef idx="minor">
+            <a:schemeClr val="tx1"/>
+          </a:fontRef>
+        </p:style>
+      </p:cxnSp>
+      <p:sp>
+        <p:nvSpPr>
+          <p:cNvPr id="11" name="TextBox 10">
+            <a:extLst>
+              <a:ext uri="{FF2B5EF4-FFF2-40B4-BE49-F238E27FC236}">
+                <a16:creationId xmlns:a16="http://schemas.microsoft.com/office/drawing/2014/main" id="{B393AEC9-20AF-4165-90E0-F11DBA89DB44}"/>
+              </a:ext>
+            </a:extLst>
+          </p:cNvPr>
+          <p:cNvSpPr txBox="1"/>
+          <p:nvPr/>
+        </p:nvSpPr>
+        <p:spPr>
+          <a:xfrm>
+            <a:off x="9812867" y="2464032"/>
+            <a:ext cx="1083730" cy="369332"/>
+          </a:xfrm>
+          <a:prstGeom prst="rect">
+            <a:avLst/>
+          </a:prstGeom>
+          <a:noFill/>
+        </p:spPr>
+        <p:txBody>
+          <a:bodyPr wrap="square" rtlCol="0">
+            <a:spAutoFit/>
+          </a:bodyPr>
+          <a:lstStyle/>
+          <a:p>
+            <a:r>
+              <a:rPr lang="en-GB" dirty="0"/>
+              <a:t>Finish</a:t>
+            </a:r>
+          </a:p>
+        </p:txBody>
+      </p:sp>
+      <p:cxnSp>
+        <p:nvCxnSpPr>
+          <p:cNvPr id="13" name="Straight Arrow Connector 12">
+            <a:extLst>
+              <a:ext uri="{FF2B5EF4-FFF2-40B4-BE49-F238E27FC236}">
+                <a16:creationId xmlns:a16="http://schemas.microsoft.com/office/drawing/2014/main" id="{BD703267-DE92-4874-854A-786ED39EECBB}"/>
+              </a:ext>
+            </a:extLst>
+          </p:cNvPr>
+          <p:cNvCxnSpPr/>
+          <p:nvPr/>
+        </p:nvCxnSpPr>
+        <p:spPr>
+          <a:xfrm flipH="1">
+            <a:off x="1998133" y="5181600"/>
+            <a:ext cx="364067" cy="203200"/>
+          </a:xfrm>
+          <a:prstGeom prst="straightConnector1">
+            <a:avLst/>
+          </a:prstGeom>
+          <a:ln>
+            <a:tailEnd type="triangle"/>
+          </a:ln>
+        </p:spPr>
+        <p:style>
+          <a:lnRef idx="1">
+            <a:schemeClr val="dk1"/>
+          </a:lnRef>
+          <a:fillRef idx="0">
+            <a:schemeClr val="dk1"/>
+          </a:fillRef>
+          <a:effectRef idx="0">
+            <a:schemeClr val="dk1"/>
+          </a:effectRef>
+          <a:fontRef idx="minor">
+            <a:schemeClr val="tx1"/>
+          </a:fontRef>
+        </p:style>
+      </p:cxnSp>
+      <p:sp>
+        <p:nvSpPr>
+          <p:cNvPr id="14" name="TextBox 13">
+            <a:extLst>
+              <a:ext uri="{FF2B5EF4-FFF2-40B4-BE49-F238E27FC236}">
+                <a16:creationId xmlns:a16="http://schemas.microsoft.com/office/drawing/2014/main" id="{20D9B2C4-416F-4CF7-A26F-A423BE25592C}"/>
+              </a:ext>
+            </a:extLst>
+          </p:cNvPr>
+          <p:cNvSpPr txBox="1"/>
+          <p:nvPr/>
+        </p:nvSpPr>
+        <p:spPr>
+          <a:xfrm>
+            <a:off x="2463800" y="5037899"/>
+            <a:ext cx="1320800" cy="369332"/>
+          </a:xfrm>
+          <a:prstGeom prst="rect">
+            <a:avLst/>
+          </a:prstGeom>
+          <a:noFill/>
+        </p:spPr>
+        <p:txBody>
+          <a:bodyPr wrap="square" rtlCol="0">
+            <a:spAutoFit/>
+          </a:bodyPr>
+          <a:lstStyle/>
+          <a:p>
+            <a:r>
+              <a:rPr lang="en-GB" dirty="0"/>
+              <a:t>Collectables</a:t>
+            </a:r>
+          </a:p>
+        </p:txBody>
+      </p:sp>
     </p:spTree>
     <p:extLst>
       <p:ext uri="{BB962C8B-B14F-4D97-AF65-F5344CB8AC3E}">
